--- a/font_sample.pptx
+++ b/font_sample.pptx
@@ -3096,8 +3096,8 @@
         </p:nvSpPr>
         <p:spPr>
           <a:xfrm>
-            <a:off x="360000" y="360000"/>
-            <a:ext cx="1800000" cy="1800000"/>
+            <a:off x="360000" y="0"/>
+            <a:ext cx="1440000" cy="1440000"/>
           </a:xfrm>
           <a:prstGeom prst="rect">
             <a:avLst/>
@@ -3109,43 +3109,83 @@
             <a:spAutoFit/>
           </a:bodyPr>
           <a:lstStyle/>
-          <a:p>
-            <a:r>
-              <a:t>Python</a:t>
-            </a:r>
-          </a:p>
+          <a:p/>
           <a:p>
             <a:pPr>
-              <a:defRPr sz="2400"/>
-            </a:pPr>
-            <a:r>
-              <a:t>font.size = 24 pt</a:t>
-            </a:r>
-          </a:p>
-          <a:p>
-            <a:pPr>
-              <a:defRPr b="1">
+              <a:defRPr sz="2400" b="1">
+                <a:solidFill>
+                  <a:srgbClr val="000000"/>
+                </a:solidFill>
                 <a:latin typeface="メイリオ"/>
               </a:defRPr>
             </a:pPr>
             <a:r>
-              <a:t>me</a:t>
+              <a:t>【総得点】※出場2セット以上</a:t>
             </a:r>
           </a:p>
           <a:p>
             <a:pPr>
-              <a:defRPr i="1"/>
+              <a:defRPr sz="2400" b="1">
+                <a:solidFill>
+                  <a:srgbClr val="000000"/>
+                </a:solidFill>
+                <a:latin typeface="メイリオ"/>
+              </a:defRPr>
             </a:pPr>
             <a:r>
-              <a:t>font.italic = True</a:t>
+              <a:t>1位 西田有志（ジェイテクトSTINGS） 38点</a:t>
             </a:r>
           </a:p>
           <a:p>
             <a:pPr>
-              <a:defRPr u="sng"/>
+              <a:defRPr sz="2200" b="1">
+                <a:solidFill>
+                  <a:srgbClr val="000000"/>
+                </a:solidFill>
+                <a:latin typeface="メイリオ"/>
+              </a:defRPr>
             </a:pPr>
             <a:r>
-              <a:t>font.underline = True</a:t>
+              <a:t>2位 パダルクリスティアン（東レアローズ） 32点</a:t>
+            </a:r>
+          </a:p>
+          <a:p>
+            <a:pPr>
+              <a:defRPr sz="2000" b="1">
+                <a:solidFill>
+                  <a:srgbClr val="000000"/>
+                </a:solidFill>
+                <a:latin typeface="メイリオ"/>
+              </a:defRPr>
+            </a:pPr>
+            <a:r>
+              <a:t>3位 シャロンバーノンエバンズ（堺ブレイザーズ） 28点</a:t>
+            </a:r>
+          </a:p>
+          <a:p>
+            <a:pPr>
+              <a:defRPr sz="1900">
+                <a:solidFill>
+                  <a:srgbClr val="000000"/>
+                </a:solidFill>
+                <a:latin typeface="メイリオ"/>
+              </a:defRPr>
+            </a:pPr>
+            <a:r>
+              <a:t>4位 柳田将洋（ジェイテクトSTINGS） 24点</a:t>
+            </a:r>
+          </a:p>
+          <a:p>
+            <a:pPr>
+              <a:defRPr sz="1800">
+                <a:solidFill>
+                  <a:srgbClr val="000000"/>
+                </a:solidFill>
+                <a:latin typeface="メイリオ"/>
+              </a:defRPr>
+            </a:pPr>
+            <a:r>
+              <a:t>5位 樋口裕希（堺ブレイザーズ） 22点</a:t>
             </a:r>
           </a:p>
         </p:txBody>

--- a/font_sample.pptx
+++ b/font_sample.pptx
@@ -3096,8 +3096,8 @@
         </p:nvSpPr>
         <p:spPr>
           <a:xfrm>
-            <a:off x="360000" y="0"/>
-            <a:ext cx="1440000" cy="1440000"/>
+            <a:off x="180000" y="8229600"/>
+            <a:ext cx="3657600" cy="3657600"/>
           </a:xfrm>
           <a:prstGeom prst="rect">
             <a:avLst/>
@@ -3110,84 +3110,6 @@
           </a:bodyPr>
           <a:lstStyle/>
           <a:p/>
-          <a:p>
-            <a:pPr>
-              <a:defRPr sz="2400" b="1">
-                <a:solidFill>
-                  <a:srgbClr val="000000"/>
-                </a:solidFill>
-                <a:latin typeface="メイリオ"/>
-              </a:defRPr>
-            </a:pPr>
-            <a:r>
-              <a:t>【総得点】※出場2セット以上</a:t>
-            </a:r>
-          </a:p>
-          <a:p>
-            <a:pPr>
-              <a:defRPr sz="2400" b="1">
-                <a:solidFill>
-                  <a:srgbClr val="000000"/>
-                </a:solidFill>
-                <a:latin typeface="メイリオ"/>
-              </a:defRPr>
-            </a:pPr>
-            <a:r>
-              <a:t>1位 西田有志（ジェイテクトSTINGS） 38点</a:t>
-            </a:r>
-          </a:p>
-          <a:p>
-            <a:pPr>
-              <a:defRPr sz="2200" b="1">
-                <a:solidFill>
-                  <a:srgbClr val="000000"/>
-                </a:solidFill>
-                <a:latin typeface="メイリオ"/>
-              </a:defRPr>
-            </a:pPr>
-            <a:r>
-              <a:t>2位 パダルクリスティアン（東レアローズ） 32点</a:t>
-            </a:r>
-          </a:p>
-          <a:p>
-            <a:pPr>
-              <a:defRPr sz="2000" b="1">
-                <a:solidFill>
-                  <a:srgbClr val="000000"/>
-                </a:solidFill>
-                <a:latin typeface="メイリオ"/>
-              </a:defRPr>
-            </a:pPr>
-            <a:r>
-              <a:t>3位 シャロンバーノンエバンズ（堺ブレイザーズ） 28点</a:t>
-            </a:r>
-          </a:p>
-          <a:p>
-            <a:pPr>
-              <a:defRPr sz="1900">
-                <a:solidFill>
-                  <a:srgbClr val="000000"/>
-                </a:solidFill>
-                <a:latin typeface="メイリオ"/>
-              </a:defRPr>
-            </a:pPr>
-            <a:r>
-              <a:t>4位 柳田将洋（ジェイテクトSTINGS） 24点</a:t>
-            </a:r>
-          </a:p>
-          <a:p>
-            <a:pPr>
-              <a:defRPr sz="1800">
-                <a:solidFill>
-                  <a:srgbClr val="000000"/>
-                </a:solidFill>
-                <a:latin typeface="メイリオ"/>
-              </a:defRPr>
-            </a:pPr>
-            <a:r>
-              <a:t>5位 樋口裕希（堺ブレイザーズ） 22点</a:t>
-            </a:r>
-          </a:p>
         </p:txBody>
       </p:sp>
     </p:spTree>
